--- a/Reference/Fast Planner快速自主飞行的鲁棒高效四旋翼轨迹规划_赵建策.pptx
+++ b/Reference/Fast Planner快速自主飞行的鲁棒高效四旋翼轨迹规划_赵建策.pptx
@@ -241,7 +241,7 @@
           <a:p>
             <a:fld id="{3ABB2E5B-1A0B-4F0A-9547-4FB8D13F2C5F}" type="datetimeFigureOut">
               <a:rPr lang="zh-CN" altLang="en-US" smtClean="0"/>
-              <a:t>2023/4/23</a:t>
+              <a:t>2024/3/20</a:t>
             </a:fld>
             <a:endParaRPr lang="zh-CN" altLang="en-US"/>
           </a:p>
@@ -1650,7 +1650,7 @@
           <a:p>
             <a:fld id="{48A87A34-81AB-432B-8DAE-1953F412C126}" type="datetimeFigureOut">
               <a:rPr lang="en-US" smtClean="0"/>
-              <a:t>4/23/2023</a:t>
+              <a:t>3/20/2024</a:t>
             </a:fld>
             <a:endParaRPr lang="en-US" dirty="0"/>
           </a:p>
@@ -1902,7 +1902,7 @@
             <a:fld id="{48A87A34-81AB-432B-8DAE-1953F412C126}" type="datetimeFigureOut">
               <a:rPr lang="en-US" smtClean="0"/>
               <a:pPr/>
-              <a:t>4/23/2023</a:t>
+              <a:t>3/20/2024</a:t>
             </a:fld>
             <a:endParaRPr lang="en-US" dirty="0"/>
           </a:p>
@@ -2218,7 +2218,7 @@
             <a:fld id="{48A87A34-81AB-432B-8DAE-1953F412C126}" type="datetimeFigureOut">
               <a:rPr lang="en-US" smtClean="0"/>
               <a:pPr/>
-              <a:t>4/23/2023</a:t>
+              <a:t>3/20/2024</a:t>
             </a:fld>
             <a:endParaRPr lang="en-US" dirty="0"/>
           </a:p>
@@ -2561,7 +2561,7 @@
             <a:fld id="{48A87A34-81AB-432B-8DAE-1953F412C126}" type="datetimeFigureOut">
               <a:rPr lang="en-US" smtClean="0"/>
               <a:pPr/>
-              <a:t>4/23/2023</a:t>
+              <a:t>3/20/2024</a:t>
             </a:fld>
             <a:endParaRPr lang="en-US" dirty="0"/>
           </a:p>
@@ -2877,7 +2877,7 @@
             <a:fld id="{48A87A34-81AB-432B-8DAE-1953F412C126}" type="datetimeFigureOut">
               <a:rPr lang="en-US" smtClean="0"/>
               <a:pPr/>
-              <a:t>4/23/2023</a:t>
+              <a:t>3/20/2024</a:t>
             </a:fld>
             <a:endParaRPr lang="en-US" dirty="0"/>
           </a:p>
@@ -3272,7 +3272,7 @@
             <a:fld id="{48A87A34-81AB-432B-8DAE-1953F412C126}" type="datetimeFigureOut">
               <a:rPr lang="en-US" smtClean="0"/>
               <a:pPr/>
-              <a:t>4/23/2023</a:t>
+              <a:t>3/20/2024</a:t>
             </a:fld>
             <a:endParaRPr lang="en-US" dirty="0"/>
           </a:p>
@@ -3443,7 +3443,7 @@
           <a:p>
             <a:fld id="{48A87A34-81AB-432B-8DAE-1953F412C126}" type="datetimeFigureOut">
               <a:rPr lang="en-US" smtClean="0"/>
-              <a:t>4/23/2023</a:t>
+              <a:t>3/20/2024</a:t>
             </a:fld>
             <a:endParaRPr lang="en-US" dirty="0"/>
           </a:p>
@@ -3623,7 +3623,7 @@
           <a:p>
             <a:fld id="{48A87A34-81AB-432B-8DAE-1953F412C126}" type="datetimeFigureOut">
               <a:rPr lang="en-US" smtClean="0"/>
-              <a:t>4/23/2023</a:t>
+              <a:t>3/20/2024</a:t>
             </a:fld>
             <a:endParaRPr lang="en-US" dirty="0"/>
           </a:p>
@@ -4025,7 +4025,7 @@
           <a:p>
             <a:fld id="{48A87A34-81AB-432B-8DAE-1953F412C126}" type="datetimeFigureOut">
               <a:rPr lang="en-US" smtClean="0"/>
-              <a:t>4/23/2023</a:t>
+              <a:t>3/20/2024</a:t>
             </a:fld>
             <a:endParaRPr lang="en-US" dirty="0"/>
           </a:p>
@@ -4272,7 +4272,7 @@
           <a:p>
             <a:fld id="{48A87A34-81AB-432B-8DAE-1953F412C126}" type="datetimeFigureOut">
               <a:rPr lang="en-US" smtClean="0"/>
-              <a:t>4/23/2023</a:t>
+              <a:t>3/20/2024</a:t>
             </a:fld>
             <a:endParaRPr lang="en-US" dirty="0"/>
           </a:p>
@@ -4504,7 +4504,7 @@
           <a:p>
             <a:fld id="{48A87A34-81AB-432B-8DAE-1953F412C126}" type="datetimeFigureOut">
               <a:rPr lang="en-US" smtClean="0"/>
-              <a:t>4/23/2023</a:t>
+              <a:t>3/20/2024</a:t>
             </a:fld>
             <a:endParaRPr lang="en-US" dirty="0"/>
           </a:p>
@@ -4878,7 +4878,7 @@
           <a:p>
             <a:fld id="{48A87A34-81AB-432B-8DAE-1953F412C126}" type="datetimeFigureOut">
               <a:rPr lang="en-US" smtClean="0"/>
-              <a:t>4/23/2023</a:t>
+              <a:t>3/20/2024</a:t>
             </a:fld>
             <a:endParaRPr lang="en-US" dirty="0"/>
           </a:p>
@@ -5001,7 +5001,7 @@
           <a:p>
             <a:fld id="{48A87A34-81AB-432B-8DAE-1953F412C126}" type="datetimeFigureOut">
               <a:rPr lang="en-US" smtClean="0"/>
-              <a:t>4/23/2023</a:t>
+              <a:t>3/20/2024</a:t>
             </a:fld>
             <a:endParaRPr lang="en-US" dirty="0"/>
           </a:p>
@@ -5096,7 +5096,7 @@
           <a:p>
             <a:fld id="{48A87A34-81AB-432B-8DAE-1953F412C126}" type="datetimeFigureOut">
               <a:rPr lang="en-US" smtClean="0"/>
-              <a:t>4/23/2023</a:t>
+              <a:t>3/20/2024</a:t>
             </a:fld>
             <a:endParaRPr lang="en-US" dirty="0"/>
           </a:p>
@@ -5446,7 +5446,7 @@
           <a:p>
             <a:fld id="{48A87A34-81AB-432B-8DAE-1953F412C126}" type="datetimeFigureOut">
               <a:rPr lang="en-US" smtClean="0"/>
-              <a:t>4/23/2023</a:t>
+              <a:t>3/20/2024</a:t>
             </a:fld>
             <a:endParaRPr lang="en-US" dirty="0"/>
           </a:p>
@@ -5710,7 +5710,7 @@
             <a:fld id="{48A87A34-81AB-432B-8DAE-1953F412C126}" type="datetimeFigureOut">
               <a:rPr lang="en-US" smtClean="0"/>
               <a:pPr/>
-              <a:t>4/23/2023</a:t>
+              <a:t>3/20/2024</a:t>
             </a:fld>
             <a:endParaRPr lang="en-US" dirty="0"/>
           </a:p>
@@ -6454,7 +6454,7 @@
             <a:fld id="{48A87A34-81AB-432B-8DAE-1953F412C126}" type="datetimeFigureOut">
               <a:rPr lang="en-US" smtClean="0"/>
               <a:pPr/>
-              <a:t>4/23/2023</a:t>
+              <a:t>3/20/2024</a:t>
             </a:fld>
             <a:endParaRPr lang="en-US" dirty="0"/>
           </a:p>
@@ -27851,15 +27851,22 @@
               <a:defRPr/>
             </a:pPr>
             <a:r>
-              <a:rPr lang="zh-CN" altLang="en-US" sz="4000" b="1" dirty="0">
+              <a:rPr lang="zh-CN" altLang="en-US" sz="4000" b="1">
                 <a:solidFill>
                   <a:schemeClr val="bg1"/>
                 </a:solidFill>
                 <a:latin typeface="思源黑体" panose="020B0500000000000000" pitchFamily="34" charset="-122"/>
                 <a:ea typeface="思源黑体" panose="020B0500000000000000" pitchFamily="34" charset="-122"/>
               </a:rPr>
-              <a:t>欢迎各位同学批评指正</a:t>
+              <a:t>谢谢大家！</a:t>
             </a:r>
+            <a:endParaRPr lang="zh-CN" altLang="en-US" sz="4000" b="1" dirty="0">
+              <a:solidFill>
+                <a:schemeClr val="bg1"/>
+              </a:solidFill>
+              <a:latin typeface="思源黑体" panose="020B0500000000000000" pitchFamily="34" charset="-122"/>
+              <a:ea typeface="思源黑体" panose="020B0500000000000000" pitchFamily="34" charset="-122"/>
+            </a:endParaRPr>
           </a:p>
         </p:txBody>
       </p:sp>
